--- a/Kernel methods.pptx
+++ b/Kernel methods.pptx
@@ -5,7 +5,7 @@
     <p:sldMasterId id="2147483660" r:id="rId1"/>
   </p:sldMasterIdLst>
   <p:notesMasterIdLst>
-    <p:notesMasterId r:id="rId30"/>
+    <p:notesMasterId r:id="rId34"/>
   </p:notesMasterIdLst>
   <p:sldIdLst>
     <p:sldId id="256" r:id="rId2"/>
@@ -35,7 +35,11 @@
     <p:sldId id="290" r:id="rId26"/>
     <p:sldId id="291" r:id="rId27"/>
     <p:sldId id="292" r:id="rId28"/>
-    <p:sldId id="293" r:id="rId29"/>
+    <p:sldId id="295" r:id="rId29"/>
+    <p:sldId id="296" r:id="rId30"/>
+    <p:sldId id="293" r:id="rId31"/>
+    <p:sldId id="294" r:id="rId32"/>
+    <p:sldId id="297" r:id="rId33"/>
   </p:sldIdLst>
   <p:sldSz cx="9144000" cy="6858000" type="screen4x3"/>
   <p:notesSz cx="6858000" cy="9144000"/>
@@ -220,7 +224,7 @@
             <a:fld id="{96E68AD2-CC82-45A9-9D1E-DBE7A2C5A8AE}" type="datetimeFigureOut">
               <a:rPr lang="en-US" smtClean="0"/>
               <a:pPr/>
-              <a:t>7/19/2020</a:t>
+              <a:t>7/22/2020</a:t>
             </a:fld>
             <a:endParaRPr lang="en-US"/>
           </a:p>
@@ -809,7 +813,7 @@
             <a:fld id="{3412F5FF-F405-4444-A176-76983CCA9212}" type="datetimeFigureOut">
               <a:rPr lang="en-US" smtClean="0"/>
               <a:pPr/>
-              <a:t>7/19/2020</a:t>
+              <a:t>7/22/2020</a:t>
             </a:fld>
             <a:endParaRPr lang="en-US"/>
           </a:p>
@@ -1164,7 +1168,7 @@
             <a:fld id="{3412F5FF-F405-4444-A176-76983CCA9212}" type="datetimeFigureOut">
               <a:rPr lang="en-US" smtClean="0"/>
               <a:pPr/>
-              <a:t>7/19/2020</a:t>
+              <a:t>7/22/2020</a:t>
             </a:fld>
             <a:endParaRPr lang="en-US"/>
           </a:p>
@@ -1341,7 +1345,7 @@
             <a:fld id="{3412F5FF-F405-4444-A176-76983CCA9212}" type="datetimeFigureOut">
               <a:rPr lang="en-US" smtClean="0"/>
               <a:pPr/>
-              <a:t>7/19/2020</a:t>
+              <a:t>7/22/2020</a:t>
             </a:fld>
             <a:endParaRPr lang="en-US"/>
           </a:p>
@@ -1456,7 +1460,7 @@
             <a:fld id="{3412F5FF-F405-4444-A176-76983CCA9212}" type="datetimeFigureOut">
               <a:rPr lang="en-US" smtClean="0"/>
               <a:pPr/>
-              <a:t>7/19/2020</a:t>
+              <a:t>7/22/2020</a:t>
             </a:fld>
             <a:endParaRPr lang="en-US"/>
           </a:p>
@@ -1816,7 +1820,7 @@
             <a:fld id="{3412F5FF-F405-4444-A176-76983CCA9212}" type="datetimeFigureOut">
               <a:rPr lang="en-US" smtClean="0"/>
               <a:pPr/>
-              <a:t>7/19/2020</a:t>
+              <a:t>7/22/2020</a:t>
             </a:fld>
             <a:endParaRPr lang="en-US"/>
           </a:p>
@@ -2083,7 +2087,7 @@
             <a:fld id="{3412F5FF-F405-4444-A176-76983CCA9212}" type="datetimeFigureOut">
               <a:rPr lang="en-US" smtClean="0"/>
               <a:pPr/>
-              <a:t>7/19/2020</a:t>
+              <a:t>7/22/2020</a:t>
             </a:fld>
             <a:endParaRPr lang="en-US"/>
           </a:p>
@@ -2447,7 +2451,7 @@
             <a:fld id="{3412F5FF-F405-4444-A176-76983CCA9212}" type="datetimeFigureOut">
               <a:rPr lang="en-US" smtClean="0"/>
               <a:pPr/>
-              <a:t>7/19/2020</a:t>
+              <a:t>7/22/2020</a:t>
             </a:fld>
             <a:endParaRPr lang="en-US"/>
           </a:p>
@@ -2676,7 +2680,7 @@
             <a:fld id="{3412F5FF-F405-4444-A176-76983CCA9212}" type="datetimeFigureOut">
               <a:rPr lang="en-US" smtClean="0"/>
               <a:pPr/>
-              <a:t>7/19/2020</a:t>
+              <a:t>7/22/2020</a:t>
             </a:fld>
             <a:endParaRPr lang="en-US"/>
           </a:p>
@@ -2768,7 +2772,7 @@
             <a:fld id="{3412F5FF-F405-4444-A176-76983CCA9212}" type="datetimeFigureOut">
               <a:rPr lang="en-US" smtClean="0"/>
               <a:pPr/>
-              <a:t>7/19/2020</a:t>
+              <a:t>7/22/2020</a:t>
             </a:fld>
             <a:endParaRPr lang="en-US"/>
           </a:p>
@@ -3037,7 +3041,7 @@
             <a:fld id="{3412F5FF-F405-4444-A176-76983CCA9212}" type="datetimeFigureOut">
               <a:rPr lang="en-US" smtClean="0"/>
               <a:pPr/>
-              <a:t>7/19/2020</a:t>
+              <a:t>7/22/2020</a:t>
             </a:fld>
             <a:endParaRPr lang="en-US"/>
           </a:p>
@@ -3267,7 +3271,7 @@
             <a:fld id="{3412F5FF-F405-4444-A176-76983CCA9212}" type="datetimeFigureOut">
               <a:rPr lang="en-US" smtClean="0"/>
               <a:pPr/>
-              <a:t>7/19/2020</a:t>
+              <a:t>7/22/2020</a:t>
             </a:fld>
             <a:endParaRPr lang="en-US"/>
           </a:p>
@@ -3768,7 +3772,7 @@
             <a:fld id="{3412F5FF-F405-4444-A176-76983CCA9212}" type="datetimeFigureOut">
               <a:rPr lang="en-US" smtClean="0"/>
               <a:pPr/>
-              <a:t>7/19/2020</a:t>
+              <a:t>7/22/2020</a:t>
             </a:fld>
             <a:endParaRPr lang="en-US"/>
           </a:p>
@@ -4188,6 +4192,25 @@
           <a:bodyPr/>
           <a:lstStyle/>
           <a:p>
+            <a:r>
+              <a:rPr lang="en-US" dirty="0" smtClean="0"/>
+              <a:t>Dr </a:t>
+            </a:r>
+            <a:r>
+              <a:rPr lang="en-US" dirty="0" err="1" smtClean="0"/>
+              <a:t>Kapil</a:t>
+            </a:r>
+            <a:endParaRPr lang="en-US" dirty="0" smtClean="0"/>
+          </a:p>
+          <a:p>
+            <a:r>
+              <a:rPr lang="en-US" dirty="0" smtClean="0"/>
+              <a:t>NIT </a:t>
+            </a:r>
+            <a:r>
+              <a:rPr lang="en-US" dirty="0" err="1" smtClean="0"/>
+              <a:t>Kurukshetra</a:t>
+            </a:r>
             <a:endParaRPr lang="en-US" dirty="0"/>
           </a:p>
         </p:txBody>
@@ -6601,36 +6624,85 @@
           <a:p>
             <a:r>
               <a:rPr lang="en-US" dirty="0" smtClean="0"/>
-              <a:t>Polynomial (&lt;</a:t>
-            </a:r>
-            <a:r>
-              <a:rPr lang="en-US" dirty="0" err="1" smtClean="0"/>
-              <a:t>x,y</a:t>
-            </a:r>
+              <a:t>Polynomial                         is inner product in            dimensional space.</a:t>
+            </a:r>
+          </a:p>
+          <a:p>
             <a:r>
               <a:rPr lang="en-US" dirty="0" smtClean="0"/>
-              <a:t>&gt;+c)^d is inner product in </a:t>
-            </a:r>
-            <a:r>
-              <a:rPr lang="en-US" dirty="0" err="1" smtClean="0"/>
-              <a:t>n+dCd</a:t>
-            </a:r>
+              <a:t>The mapping it follows</a:t>
+            </a:r>
+          </a:p>
+          <a:p>
+            <a:endParaRPr lang="en-US" dirty="0"/>
+          </a:p>
+        </p:txBody>
+      </p:sp>
+      <p:graphicFrame>
+        <p:nvGraphicFramePr>
+          <p:cNvPr id="6" name="Object 5"/>
+          <p:cNvGraphicFramePr>
+            <a:graphicFrameLocks noChangeAspect="1"/>
+          </p:cNvGraphicFramePr>
+          <p:nvPr/>
+        </p:nvGraphicFramePr>
+        <p:xfrm>
+          <a:off x="2590800" y="1409700"/>
+          <a:ext cx="1871133" cy="495300"/>
+        </p:xfrm>
+        <a:graphic>
+          <a:graphicData uri="http://schemas.openxmlformats.org/presentationml/2006/ole">
+            <p:oleObj spid="_x0000_s41986" name="Equation" r:id="rId3" imgW="863280" imgH="228600" progId="Equation.3">
+              <p:embed/>
+            </p:oleObj>
+          </a:graphicData>
+        </a:graphic>
+      </p:graphicFrame>
+      <p:graphicFrame>
+        <p:nvGraphicFramePr>
+          <p:cNvPr id="7" name="Object 6"/>
+          <p:cNvGraphicFramePr>
+            <a:graphicFrameLocks noChangeAspect="1"/>
+          </p:cNvGraphicFramePr>
+          <p:nvPr/>
+        </p:nvGraphicFramePr>
+        <p:xfrm>
+          <a:off x="6858000" y="1447800"/>
+          <a:ext cx="781050" cy="720969"/>
+        </p:xfrm>
+        <a:graphic>
+          <a:graphicData uri="http://schemas.openxmlformats.org/presentationml/2006/ole">
+            <p:oleObj spid="_x0000_s41987" name="Equation" r:id="rId4" imgW="495000" imgH="457200" progId="Equation.3">
+              <p:embed/>
+            </p:oleObj>
+          </a:graphicData>
+        </a:graphic>
+      </p:graphicFrame>
+      <p:sp>
+        <p:nvSpPr>
+          <p:cNvPr id="8" name="Rectangle 7"/>
+          <p:cNvSpPr/>
+          <p:nvPr/>
+        </p:nvSpPr>
+        <p:spPr>
+          <a:xfrm>
+            <a:off x="914400" y="4038600"/>
+            <a:ext cx="7391400" cy="646331"/>
+          </a:xfrm>
+          <a:prstGeom prst="rect">
+            <a:avLst/>
+          </a:prstGeom>
+        </p:spPr>
+        <p:txBody>
+          <a:bodyPr wrap="square">
+            <a:spAutoFit/>
+          </a:bodyPr>
+          <a:lstStyle/>
+          <a:p>
             <a:r>
               <a:rPr lang="en-US" dirty="0" smtClean="0"/>
-              <a:t> dimensional space.</a:t>
-            </a:r>
-          </a:p>
-          <a:p>
-            <a:r>
-              <a:rPr lang="en-US" dirty="0" smtClean="0"/>
-              <a:t>The mapping </a:t>
-            </a:r>
-            <a:r>
-              <a:rPr lang="en-US" smtClean="0"/>
-              <a:t>it follows</a:t>
-            </a:r>
-          </a:p>
-          <a:p>
+              <a:t>https://ocw.mit.edu/courses/sloan-school-of-management/15-097-prediction-machine-learning-and-statistics-spring-2012/lecture-notes/MIT15_097S12_lec13.pdf</a:t>
+            </a:r>
             <a:endParaRPr lang="en-US" dirty="0"/>
           </a:p>
         </p:txBody>
@@ -6831,63 +6903,207 @@
         </p:nvSpPr>
         <p:spPr/>
         <p:txBody>
-          <a:bodyPr/>
+          <a:bodyPr>
+            <a:normAutofit/>
+          </a:bodyPr>
           <a:lstStyle/>
           <a:p>
             <a:r>
               <a:rPr lang="en-US" dirty="0" smtClean="0"/>
-              <a:t>(x_1+x_2+…+</a:t>
-            </a:r>
-            <a:r>
-              <a:rPr lang="en-US" dirty="0" err="1" smtClean="0"/>
-              <a:t>x_d</a:t>
-            </a:r>
+              <a:t> </a:t>
+            </a:r>
+          </a:p>
+          <a:p>
             <a:r>
               <a:rPr lang="en-US" dirty="0" smtClean="0"/>
-              <a:t>)^n</a:t>
-            </a:r>
-          </a:p>
-          <a:p>
+              <a:t>Each term of the expansion has n things, now anything can be taken any number of times but total selected things exactly should be </a:t>
+            </a:r>
+            <a:r>
+              <a:rPr lang="en-US" i="1" dirty="0" smtClean="0">
+                <a:latin typeface="Times New Roman" pitchFamily="18" charset="0"/>
+                <a:cs typeface="Times New Roman" pitchFamily="18" charset="0"/>
+              </a:rPr>
+              <a:t>n</a:t>
+            </a:r>
             <a:r>
               <a:rPr lang="en-US" dirty="0" smtClean="0"/>
-              <a:t>Each term of the expansion has n things, now anything can be taken any number of times but total selected things exactly should be n.</a:t>
+              <a:t>.</a:t>
             </a:r>
           </a:p>
           <a:p>
             <a:r>
               <a:rPr lang="en-US" dirty="0" smtClean="0"/>
-              <a:t>Therefore the problem is similar to adding d whole numbers (non-negative integers) whose sum should be exactly n. </a:t>
-            </a:r>
-          </a:p>
-          <a:p>
+              <a:t>Therefore the problem is similar to adding </a:t>
+            </a:r>
+            <a:r>
+              <a:rPr lang="en-US" i="1" dirty="0" smtClean="0">
+                <a:latin typeface="Times New Roman" pitchFamily="18" charset="0"/>
+                <a:cs typeface="Times New Roman" pitchFamily="18" charset="0"/>
+              </a:rPr>
+              <a:t>d</a:t>
+            </a:r>
             <a:r>
               <a:rPr lang="en-US" dirty="0" smtClean="0"/>
-              <a:t>(d-1+n)!/(d-1)!n! </a:t>
-            </a:r>
-          </a:p>
-          <a:p>
+              <a:t> whole numbers (non-negative integers) whose sum should be exactly </a:t>
+            </a:r>
+            <a:r>
+              <a:rPr lang="en-US" i="1" dirty="0" smtClean="0">
+                <a:latin typeface="Times New Roman" pitchFamily="18" charset="0"/>
+                <a:cs typeface="Times New Roman" pitchFamily="18" charset="0"/>
+              </a:rPr>
+              <a:t>n</a:t>
+            </a:r>
             <a:r>
               <a:rPr lang="en-US" dirty="0" smtClean="0"/>
-              <a:t>And if I want to find the number of terms in (x_1+x_2+…+</a:t>
-            </a:r>
-            <a:r>
-              <a:rPr lang="en-US" dirty="0" err="1" smtClean="0"/>
-              <a:t>x_d+c</a:t>
-            </a:r>
+              <a:t>. </a:t>
+            </a:r>
+          </a:p>
+          <a:p>
+            <a:r>
+              <a:rPr lang="en-US" dirty="0" smtClean="0">
+                <a:latin typeface="Times New Roman" pitchFamily="18" charset="0"/>
+                <a:cs typeface="Times New Roman" pitchFamily="18" charset="0"/>
+              </a:rPr>
+              <a:t>(</a:t>
+            </a:r>
+            <a:r>
+              <a:rPr lang="en-US" i="1" dirty="0" smtClean="0">
+                <a:latin typeface="Times New Roman" pitchFamily="18" charset="0"/>
+                <a:cs typeface="Times New Roman" pitchFamily="18" charset="0"/>
+              </a:rPr>
+              <a:t>d-</a:t>
+            </a:r>
+            <a:r>
+              <a:rPr lang="en-US" dirty="0" smtClean="0">
+                <a:latin typeface="Times New Roman" pitchFamily="18" charset="0"/>
+                <a:cs typeface="Times New Roman" pitchFamily="18" charset="0"/>
+              </a:rPr>
+              <a:t>1</a:t>
+            </a:r>
+            <a:r>
+              <a:rPr lang="en-US" i="1" dirty="0" smtClean="0">
+                <a:latin typeface="Times New Roman" pitchFamily="18" charset="0"/>
+                <a:cs typeface="Times New Roman" pitchFamily="18" charset="0"/>
+              </a:rPr>
+              <a:t>+n</a:t>
+            </a:r>
+            <a:r>
+              <a:rPr lang="en-US" dirty="0" smtClean="0">
+                <a:latin typeface="Times New Roman" pitchFamily="18" charset="0"/>
+                <a:cs typeface="Times New Roman" pitchFamily="18" charset="0"/>
+              </a:rPr>
+              <a:t>)!/(</a:t>
+            </a:r>
+            <a:r>
+              <a:rPr lang="en-US" i="1" dirty="0" smtClean="0">
+                <a:latin typeface="Times New Roman" pitchFamily="18" charset="0"/>
+                <a:cs typeface="Times New Roman" pitchFamily="18" charset="0"/>
+              </a:rPr>
+              <a:t>d-</a:t>
+            </a:r>
+            <a:r>
+              <a:rPr lang="en-US" dirty="0" smtClean="0">
+                <a:latin typeface="Times New Roman" pitchFamily="18" charset="0"/>
+                <a:cs typeface="Times New Roman" pitchFamily="18" charset="0"/>
+              </a:rPr>
+              <a:t>1)!</a:t>
+            </a:r>
+            <a:r>
+              <a:rPr lang="en-US" i="1" dirty="0" smtClean="0">
+                <a:latin typeface="Times New Roman" pitchFamily="18" charset="0"/>
+                <a:cs typeface="Times New Roman" pitchFamily="18" charset="0"/>
+              </a:rPr>
+              <a:t>n</a:t>
+            </a:r>
+            <a:r>
+              <a:rPr lang="en-US" dirty="0" smtClean="0">
+                <a:latin typeface="Times New Roman" pitchFamily="18" charset="0"/>
+                <a:cs typeface="Times New Roman" pitchFamily="18" charset="0"/>
+              </a:rPr>
+              <a:t>!</a:t>
+            </a:r>
+            <a:r>
+              <a:rPr lang="en-US" i="1" dirty="0" smtClean="0">
+                <a:latin typeface="Times New Roman" pitchFamily="18" charset="0"/>
+                <a:cs typeface="Times New Roman" pitchFamily="18" charset="0"/>
+              </a:rPr>
+              <a:t> </a:t>
+            </a:r>
+          </a:p>
+          <a:p>
             <a:r>
               <a:rPr lang="en-US" dirty="0" smtClean="0"/>
-              <a:t>)^n</a:t>
-            </a:r>
-          </a:p>
-          <a:p>
-            <a:r>
-              <a:rPr lang="en-US" smtClean="0"/>
-              <a:t>=((d+1)-1+n)C(n).</a:t>
-            </a:r>
-            <a:endParaRPr lang="en-US" dirty="0"/>
-          </a:p>
-        </p:txBody>
-      </p:sp>
+              <a:t>And if I want to find the number of terms in</a:t>
+            </a:r>
+          </a:p>
+          <a:p>
+            <a:r>
+              <a:rPr lang="en-US" dirty="0" smtClean="0"/>
+              <a:t> </a:t>
+            </a:r>
+          </a:p>
+        </p:txBody>
+      </p:sp>
+      <p:graphicFrame>
+        <p:nvGraphicFramePr>
+          <p:cNvPr id="4" name="Object 3"/>
+          <p:cNvGraphicFramePr>
+            <a:graphicFrameLocks noChangeAspect="1"/>
+          </p:cNvGraphicFramePr>
+          <p:nvPr/>
+        </p:nvGraphicFramePr>
+        <p:xfrm>
+          <a:off x="1295400" y="1447800"/>
+          <a:ext cx="2438400" cy="526472"/>
+        </p:xfrm>
+        <a:graphic>
+          <a:graphicData uri="http://schemas.openxmlformats.org/presentationml/2006/ole">
+            <p:oleObj spid="_x0000_s43010" name="Equation" r:id="rId3" imgW="1117440" imgH="241200" progId="Equation.3">
+              <p:embed/>
+            </p:oleObj>
+          </a:graphicData>
+        </a:graphic>
+      </p:graphicFrame>
+      <p:graphicFrame>
+        <p:nvGraphicFramePr>
+          <p:cNvPr id="43011" name="Object 3"/>
+          <p:cNvGraphicFramePr>
+            <a:graphicFrameLocks noChangeAspect="1"/>
+          </p:cNvGraphicFramePr>
+          <p:nvPr/>
+        </p:nvGraphicFramePr>
+        <p:xfrm>
+          <a:off x="6553200" y="4585938"/>
+          <a:ext cx="2286000" cy="418155"/>
+        </p:xfrm>
+        <a:graphic>
+          <a:graphicData uri="http://schemas.openxmlformats.org/presentationml/2006/ole">
+            <p:oleObj spid="_x0000_s43011" name="Equation" r:id="rId4" imgW="1320480" imgH="241200" progId="Equation.3">
+              <p:embed/>
+            </p:oleObj>
+          </a:graphicData>
+        </a:graphic>
+      </p:graphicFrame>
+      <p:graphicFrame>
+        <p:nvGraphicFramePr>
+          <p:cNvPr id="6" name="Object 5"/>
+          <p:cNvGraphicFramePr>
+            <a:graphicFrameLocks noChangeAspect="1"/>
+          </p:cNvGraphicFramePr>
+          <p:nvPr/>
+        </p:nvGraphicFramePr>
+        <p:xfrm>
+          <a:off x="1371600" y="4953000"/>
+          <a:ext cx="1752600" cy="628290"/>
+        </p:xfrm>
+        <a:graphic>
+          <a:graphicData uri="http://schemas.openxmlformats.org/presentationml/2006/ole">
+            <p:oleObj spid="_x0000_s43012" name="Equation" r:id="rId5" imgW="672840" imgH="241200" progId="Equation.3">
+              <p:embed/>
+            </p:oleObj>
+          </a:graphicData>
+        </a:graphic>
+      </p:graphicFrame>
     </p:spTree>
   </p:cSld>
   <p:clrMapOvr>
@@ -7294,11 +7510,7 @@
           <a:p>
             <a:r>
               <a:rPr lang="en-US" dirty="0" smtClean="0"/>
-              <a:t>When you have dat</a:t>
-            </a:r>
-            <a:r>
-              <a:rPr lang="en-US" dirty="0" smtClean="0"/>
-              <a:t>a but no explicit output</a:t>
+              <a:t>When you have data but no explicit output</a:t>
             </a:r>
           </a:p>
           <a:p>
@@ -7358,15 +7570,7 @@
           <a:p>
             <a:r>
               <a:rPr lang="en-US" dirty="0" smtClean="0"/>
-              <a:t>Graph </a:t>
-            </a:r>
-            <a:r>
-              <a:rPr lang="en-US" dirty="0" err="1" smtClean="0"/>
-              <a:t>Laplacian</a:t>
-            </a:r>
-            <a:r>
-              <a:rPr lang="en-US" dirty="0" smtClean="0"/>
-              <a:t>-SVM</a:t>
+              <a:t>Regression</a:t>
             </a:r>
             <a:endParaRPr lang="en-US" dirty="0"/>
           </a:p>
@@ -7389,7 +7593,7 @@
           <a:p>
             <a:r>
               <a:rPr smtClean="0"/>
-              <a:t>Semi-Supervised</a:t>
+              <a:t>Least Squares Method</a:t>
             </a:r>
             <a:endParaRPr lang="en-US" dirty="0"/>
           </a:p>
@@ -7454,7 +7658,127 @@
           <a:bodyPr/>
           <a:lstStyle/>
           <a:p>
-            <a:endParaRPr lang="en-US"/>
+            <a:endParaRPr lang="en-US" dirty="0"/>
+          </a:p>
+        </p:txBody>
+      </p:sp>
+      <p:pic>
+        <p:nvPicPr>
+          <p:cNvPr id="54274" name="Picture 2"/>
+          <p:cNvPicPr>
+            <a:picLocks noChangeAspect="1" noChangeArrowheads="1"/>
+          </p:cNvPicPr>
+          <p:nvPr/>
+        </p:nvPicPr>
+        <p:blipFill>
+          <a:blip r:embed="rId2"/>
+          <a:srcRect/>
+          <a:stretch>
+            <a:fillRect/>
+          </a:stretch>
+        </p:blipFill>
+        <p:spPr bwMode="auto">
+          <a:xfrm>
+            <a:off x="1314450" y="357188"/>
+            <a:ext cx="6515100" cy="6143625"/>
+          </a:xfrm>
+          <a:prstGeom prst="rect">
+            <a:avLst/>
+          </a:prstGeom>
+          <a:noFill/>
+          <a:ln w="9525">
+            <a:noFill/>
+            <a:miter lim="800000"/>
+            <a:headEnd/>
+            <a:tailEnd/>
+          </a:ln>
+          <a:effectLst/>
+        </p:spPr>
+      </p:pic>
+    </p:spTree>
+  </p:cSld>
+  <p:clrMapOvr>
+    <a:masterClrMapping/>
+  </p:clrMapOvr>
+</p:sld>
+</file>
+
+<file path=ppt/slides/slide29.xml><?xml version="1.0" encoding="utf-8"?>
+<p:sld xmlns:a="http://schemas.openxmlformats.org/drawingml/2006/main" xmlns:r="http://schemas.openxmlformats.org/officeDocument/2006/relationships" xmlns:p="http://schemas.openxmlformats.org/presentationml/2006/main">
+  <p:cSld>
+    <p:spTree>
+      <p:nvGrpSpPr>
+        <p:cNvPr id="1" name=""/>
+        <p:cNvGrpSpPr/>
+        <p:nvPr/>
+      </p:nvGrpSpPr>
+      <p:grpSpPr>
+        <a:xfrm>
+          <a:off x="0" y="0"/>
+          <a:ext cx="0" cy="0"/>
+          <a:chOff x="0" y="0"/>
+          <a:chExt cx="0" cy="0"/>
+        </a:xfrm>
+      </p:grpSpPr>
+      <p:pic>
+        <p:nvPicPr>
+          <p:cNvPr id="55298" name="Picture 2"/>
+          <p:cNvPicPr>
+            <a:picLocks noChangeAspect="1" noChangeArrowheads="1"/>
+          </p:cNvPicPr>
+          <p:nvPr/>
+        </p:nvPicPr>
+        <p:blipFill>
+          <a:blip r:embed="rId2"/>
+          <a:srcRect/>
+          <a:stretch>
+            <a:fillRect/>
+          </a:stretch>
+        </p:blipFill>
+        <p:spPr bwMode="auto">
+          <a:xfrm>
+            <a:off x="1400175" y="700088"/>
+            <a:ext cx="6343650" cy="5457825"/>
+          </a:xfrm>
+          <a:prstGeom prst="rect">
+            <a:avLst/>
+          </a:prstGeom>
+          <a:noFill/>
+          <a:ln w="9525">
+            <a:noFill/>
+            <a:miter lim="800000"/>
+            <a:headEnd/>
+            <a:tailEnd/>
+          </a:ln>
+          <a:effectLst/>
+        </p:spPr>
+      </p:pic>
+      <p:sp>
+        <p:nvSpPr>
+          <p:cNvPr id="5" name="Rectangle 4"/>
+          <p:cNvSpPr/>
+          <p:nvPr/>
+        </p:nvSpPr>
+        <p:spPr>
+          <a:xfrm>
+            <a:off x="914400" y="6172200"/>
+            <a:ext cx="7620000" cy="369332"/>
+          </a:xfrm>
+          <a:prstGeom prst="rect">
+            <a:avLst/>
+          </a:prstGeom>
+        </p:spPr>
+        <p:txBody>
+          <a:bodyPr wrap="square">
+            <a:spAutoFit/>
+          </a:bodyPr>
+          <a:lstStyle/>
+          <a:p>
+            <a:r>
+              <a:rPr lang="en-US" dirty="0" smtClean="0"/>
+              <a:t>https://www.ics.uci.edu/~welling/classnotes/papers_class/Kernel-Ridge.pdf</a:t>
+            </a:r>
+            <a:endParaRPr lang="en-US" dirty="0"/>
           </a:p>
         </p:txBody>
       </p:sp>
@@ -9060,6 +9384,522 @@
 </p:sld>
 </file>
 
+<file path=ppt/slides/slide30.xml><?xml version="1.0" encoding="utf-8"?>
+<p:sld xmlns:a="http://schemas.openxmlformats.org/drawingml/2006/main" xmlns:r="http://schemas.openxmlformats.org/officeDocument/2006/relationships" xmlns:p="http://schemas.openxmlformats.org/presentationml/2006/main">
+  <p:cSld>
+    <p:spTree>
+      <p:nvGrpSpPr>
+        <p:cNvPr id="1" name=""/>
+        <p:cNvGrpSpPr/>
+        <p:nvPr/>
+      </p:nvGrpSpPr>
+      <p:grpSpPr>
+        <a:xfrm>
+          <a:off x="0" y="0"/>
+          <a:ext cx="0" cy="0"/>
+          <a:chOff x="0" y="0"/>
+          <a:chExt cx="0" cy="0"/>
+        </a:xfrm>
+      </p:grpSpPr>
+      <p:sp>
+        <p:nvSpPr>
+          <p:cNvPr id="2" name="Title 1"/>
+          <p:cNvSpPr>
+            <a:spLocks noGrp="1"/>
+          </p:cNvSpPr>
+          <p:nvPr>
+            <p:ph type="title"/>
+          </p:nvPr>
+        </p:nvSpPr>
+        <p:spPr/>
+        <p:txBody>
+          <a:bodyPr>
+            <a:normAutofit fontScale="90000"/>
+          </a:bodyPr>
+          <a:lstStyle/>
+          <a:p>
+            <a:r>
+              <a:rPr lang="en-US" dirty="0" smtClean="0"/>
+              <a:t>Ordinary Least Squares Method (OLS)</a:t>
+            </a:r>
+            <a:endParaRPr lang="en-US" dirty="0"/>
+          </a:p>
+        </p:txBody>
+      </p:sp>
+      <p:sp>
+        <p:nvSpPr>
+          <p:cNvPr id="3" name="Content Placeholder 2"/>
+          <p:cNvSpPr>
+            <a:spLocks noGrp="1"/>
+          </p:cNvSpPr>
+          <p:nvPr>
+            <p:ph sz="quarter" idx="1"/>
+          </p:nvPr>
+        </p:nvSpPr>
+        <p:spPr/>
+        <p:txBody>
+          <a:bodyPr/>
+          <a:lstStyle/>
+          <a:p>
+            <a:r>
+              <a:rPr lang="en-US" dirty="0" smtClean="0"/>
+              <a:t>The problem is defined as set of data points </a:t>
+            </a:r>
+          </a:p>
+          <a:p>
+            <a:endParaRPr lang="en-US" dirty="0" smtClean="0"/>
+          </a:p>
+          <a:p>
+            <a:endParaRPr lang="en-US" dirty="0" smtClean="0"/>
+          </a:p>
+          <a:p>
+            <a:r>
+              <a:rPr lang="en-US" dirty="0" smtClean="0"/>
+              <a:t>Find the function </a:t>
+            </a:r>
+          </a:p>
+          <a:p>
+            <a:r>
+              <a:rPr lang="en-US" dirty="0" smtClean="0"/>
+              <a:t>The objective of the function maybe-</a:t>
+            </a:r>
+          </a:p>
+          <a:p>
+            <a:r>
+              <a:rPr lang="en-US" dirty="0" smtClean="0"/>
+              <a:t>As we may not be able to guess right function but near about it, therefore the function learned </a:t>
+            </a:r>
+            <a:r>
+              <a:rPr lang="en-US" i="1" dirty="0" smtClean="0">
+                <a:latin typeface="Times New Roman" pitchFamily="18" charset="0"/>
+                <a:cs typeface="Times New Roman" pitchFamily="18" charset="0"/>
+              </a:rPr>
+              <a:t>f </a:t>
+            </a:r>
+            <a:r>
+              <a:rPr lang="en-US" dirty="0" smtClean="0"/>
+              <a:t>cannot predict </a:t>
+            </a:r>
+            <a:r>
+              <a:rPr lang="en-US" i="1" dirty="0" smtClean="0">
+                <a:latin typeface="Times New Roman" pitchFamily="18" charset="0"/>
+                <a:cs typeface="Times New Roman" pitchFamily="18" charset="0"/>
+              </a:rPr>
+              <a:t>y</a:t>
+            </a:r>
+            <a:r>
+              <a:rPr lang="en-US" dirty="0" smtClean="0"/>
+              <a:t> correctly. So let the predicted value is represented by   . And now we want</a:t>
+            </a:r>
+          </a:p>
+          <a:p>
+            <a:pPr>
+              <a:buNone/>
+            </a:pPr>
+            <a:r>
+              <a:rPr lang="en-US" dirty="0" smtClean="0"/>
+              <a:t>   </a:t>
+            </a:r>
+            <a:endParaRPr lang="en-US" dirty="0">
+              <a:latin typeface="Times New Roman" pitchFamily="18" charset="0"/>
+              <a:cs typeface="Times New Roman" pitchFamily="18" charset="0"/>
+            </a:endParaRPr>
+          </a:p>
+        </p:txBody>
+      </p:sp>
+      <p:graphicFrame>
+        <p:nvGraphicFramePr>
+          <p:cNvPr id="4" name="Object 3"/>
+          <p:cNvGraphicFramePr>
+            <a:graphicFrameLocks noChangeAspect="1"/>
+          </p:cNvGraphicFramePr>
+          <p:nvPr/>
+        </p:nvGraphicFramePr>
+        <p:xfrm>
+          <a:off x="2105025" y="2057400"/>
+          <a:ext cx="2827338" cy="523875"/>
+        </p:xfrm>
+        <a:graphic>
+          <a:graphicData uri="http://schemas.openxmlformats.org/presentationml/2006/ole">
+            <p:oleObj spid="_x0000_s44034" name="Equation" r:id="rId3" imgW="1574640" imgH="291960" progId="Equation.3">
+              <p:embed/>
+            </p:oleObj>
+          </a:graphicData>
+        </a:graphic>
+      </p:graphicFrame>
+      <p:graphicFrame>
+        <p:nvGraphicFramePr>
+          <p:cNvPr id="5" name="Object 4"/>
+          <p:cNvGraphicFramePr>
+            <a:graphicFrameLocks noChangeAspect="1"/>
+          </p:cNvGraphicFramePr>
+          <p:nvPr/>
+        </p:nvGraphicFramePr>
+        <p:xfrm>
+          <a:off x="3429000" y="2819400"/>
+          <a:ext cx="2354262" cy="431800"/>
+        </p:xfrm>
+        <a:graphic>
+          <a:graphicData uri="http://schemas.openxmlformats.org/presentationml/2006/ole">
+            <p:oleObj spid="_x0000_s44035" name="Equation" r:id="rId4" imgW="1384200" imgH="253800" progId="Equation.3">
+              <p:embed/>
+            </p:oleObj>
+          </a:graphicData>
+        </a:graphic>
+      </p:graphicFrame>
+      <p:graphicFrame>
+        <p:nvGraphicFramePr>
+          <p:cNvPr id="7" name="Object 6"/>
+          <p:cNvGraphicFramePr>
+            <a:graphicFrameLocks noChangeAspect="1"/>
+          </p:cNvGraphicFramePr>
+          <p:nvPr/>
+        </p:nvGraphicFramePr>
+        <p:xfrm>
+          <a:off x="6400800" y="4724400"/>
+          <a:ext cx="244475" cy="355600"/>
+        </p:xfrm>
+        <a:graphic>
+          <a:graphicData uri="http://schemas.openxmlformats.org/presentationml/2006/ole">
+            <p:oleObj spid="_x0000_s44037" name="Equation" r:id="rId5" imgW="139680" imgH="203040" progId="Equation.3">
+              <p:embed/>
+            </p:oleObj>
+          </a:graphicData>
+        </a:graphic>
+      </p:graphicFrame>
+      <p:graphicFrame>
+        <p:nvGraphicFramePr>
+          <p:cNvPr id="44038" name="Object 6"/>
+          <p:cNvGraphicFramePr>
+            <a:graphicFrameLocks noChangeAspect="1"/>
+          </p:cNvGraphicFramePr>
+          <p:nvPr/>
+        </p:nvGraphicFramePr>
+        <p:xfrm>
+          <a:off x="1295400" y="5410200"/>
+          <a:ext cx="1577975" cy="511175"/>
+        </p:xfrm>
+        <a:graphic>
+          <a:graphicData uri="http://schemas.openxmlformats.org/presentationml/2006/ole">
+            <p:oleObj spid="_x0000_s44038" name="Equation" r:id="rId6" imgW="901440" imgH="291960" progId="Equation.3">
+              <p:embed/>
+            </p:oleObj>
+          </a:graphicData>
+        </a:graphic>
+      </p:graphicFrame>
+      <p:sp>
+        <p:nvSpPr>
+          <p:cNvPr id="9" name="TextBox 8"/>
+          <p:cNvSpPr txBox="1"/>
+          <p:nvPr/>
+        </p:nvSpPr>
+        <p:spPr>
+          <a:xfrm>
+            <a:off x="2952750" y="5392362"/>
+            <a:ext cx="934808" cy="492443"/>
+          </a:xfrm>
+          <a:prstGeom prst="rect">
+            <a:avLst/>
+          </a:prstGeom>
+          <a:noFill/>
+        </p:spPr>
+        <p:txBody>
+          <a:bodyPr wrap="none" rtlCol="0">
+            <a:spAutoFit/>
+          </a:bodyPr>
+          <a:lstStyle/>
+          <a:p>
+            <a:r>
+              <a:rPr lang="en-US" sz="2600" dirty="0" smtClean="0"/>
+              <a:t>where</a:t>
+            </a:r>
+          </a:p>
+        </p:txBody>
+      </p:sp>
+      <p:graphicFrame>
+        <p:nvGraphicFramePr>
+          <p:cNvPr id="44039" name="Object 7"/>
+          <p:cNvGraphicFramePr>
+            <a:graphicFrameLocks noChangeAspect="1"/>
+          </p:cNvGraphicFramePr>
+          <p:nvPr/>
+        </p:nvGraphicFramePr>
+        <p:xfrm>
+          <a:off x="3843338" y="5472113"/>
+          <a:ext cx="1452562" cy="381000"/>
+        </p:xfrm>
+        <a:graphic>
+          <a:graphicData uri="http://schemas.openxmlformats.org/presentationml/2006/ole">
+            <p:oleObj spid="_x0000_s44039" name="Equation" r:id="rId7" imgW="774360" imgH="203040" progId="Equation.3">
+              <p:embed/>
+            </p:oleObj>
+          </a:graphicData>
+        </a:graphic>
+      </p:graphicFrame>
+      <p:sp>
+        <p:nvSpPr>
+          <p:cNvPr id="11" name="TextBox 10"/>
+          <p:cNvSpPr txBox="1"/>
+          <p:nvPr/>
+        </p:nvSpPr>
+        <p:spPr>
+          <a:xfrm>
+            <a:off x="5313592" y="5411634"/>
+            <a:ext cx="611065" cy="492443"/>
+          </a:xfrm>
+          <a:prstGeom prst="rect">
+            <a:avLst/>
+          </a:prstGeom>
+          <a:noFill/>
+        </p:spPr>
+        <p:txBody>
+          <a:bodyPr wrap="none" rtlCol="0">
+            <a:spAutoFit/>
+          </a:bodyPr>
+          <a:lstStyle/>
+          <a:p>
+            <a:r>
+              <a:rPr lang="en-US" sz="2600" dirty="0" smtClean="0"/>
+              <a:t>and</a:t>
+            </a:r>
+          </a:p>
+        </p:txBody>
+      </p:sp>
+      <p:graphicFrame>
+        <p:nvGraphicFramePr>
+          <p:cNvPr id="44040" name="Object 8"/>
+          <p:cNvGraphicFramePr>
+            <a:graphicFrameLocks noChangeAspect="1"/>
+          </p:cNvGraphicFramePr>
+          <p:nvPr/>
+        </p:nvGraphicFramePr>
+        <p:xfrm>
+          <a:off x="5886450" y="5545138"/>
+          <a:ext cx="285750" cy="261937"/>
+        </p:xfrm>
+        <a:graphic>
+          <a:graphicData uri="http://schemas.openxmlformats.org/presentationml/2006/ole">
+            <p:oleObj spid="_x0000_s44040" name="Equation" r:id="rId8" imgW="152280" imgH="139680" progId="Equation.3">
+              <p:embed/>
+            </p:oleObj>
+          </a:graphicData>
+        </a:graphic>
+      </p:graphicFrame>
+      <p:sp>
+        <p:nvSpPr>
+          <p:cNvPr id="13" name="TextBox 12"/>
+          <p:cNvSpPr txBox="1"/>
+          <p:nvPr/>
+        </p:nvSpPr>
+        <p:spPr>
+          <a:xfrm>
+            <a:off x="6096000" y="5418087"/>
+            <a:ext cx="2749471" cy="492443"/>
+          </a:xfrm>
+          <a:prstGeom prst="rect">
+            <a:avLst/>
+          </a:prstGeom>
+          <a:noFill/>
+        </p:spPr>
+        <p:txBody>
+          <a:bodyPr wrap="none" rtlCol="0">
+            <a:spAutoFit/>
+          </a:bodyPr>
+          <a:lstStyle/>
+          <a:p>
+            <a:r>
+              <a:rPr lang="en-US" sz="2600" dirty="0" smtClean="0"/>
+              <a:t>is function parameter</a:t>
+            </a:r>
+          </a:p>
+        </p:txBody>
+      </p:sp>
+    </p:spTree>
+  </p:cSld>
+  <p:clrMapOvr>
+    <a:masterClrMapping/>
+  </p:clrMapOvr>
+</p:sld>
+</file>
+
+<file path=ppt/slides/slide31.xml><?xml version="1.0" encoding="utf-8"?>
+<p:sld xmlns:a="http://schemas.openxmlformats.org/drawingml/2006/main" xmlns:r="http://schemas.openxmlformats.org/officeDocument/2006/relationships" xmlns:p="http://schemas.openxmlformats.org/presentationml/2006/main">
+  <p:cSld>
+    <p:spTree>
+      <p:nvGrpSpPr>
+        <p:cNvPr id="1" name=""/>
+        <p:cNvGrpSpPr/>
+        <p:nvPr/>
+      </p:nvGrpSpPr>
+      <p:grpSpPr>
+        <a:xfrm>
+          <a:off x="0" y="0"/>
+          <a:ext cx="0" cy="0"/>
+          <a:chOff x="0" y="0"/>
+          <a:chExt cx="0" cy="0"/>
+        </a:xfrm>
+      </p:grpSpPr>
+      <p:sp>
+        <p:nvSpPr>
+          <p:cNvPr id="2" name="Title 1"/>
+          <p:cNvSpPr>
+            <a:spLocks noGrp="1"/>
+          </p:cNvSpPr>
+          <p:nvPr>
+            <p:ph type="title"/>
+          </p:nvPr>
+        </p:nvSpPr>
+        <p:spPr/>
+        <p:txBody>
+          <a:bodyPr/>
+          <a:lstStyle/>
+          <a:p>
+            <a:endParaRPr lang="en-US"/>
+          </a:p>
+        </p:txBody>
+      </p:sp>
+      <p:sp>
+        <p:nvSpPr>
+          <p:cNvPr id="3" name="Content Placeholder 2"/>
+          <p:cNvSpPr>
+            <a:spLocks noGrp="1"/>
+          </p:cNvSpPr>
+          <p:nvPr>
+            <p:ph sz="quarter" idx="1"/>
+          </p:nvPr>
+        </p:nvSpPr>
+        <p:spPr/>
+        <p:txBody>
+          <a:bodyPr/>
+          <a:lstStyle/>
+          <a:p>
+            <a:r>
+              <a:rPr lang="en-US" dirty="0" smtClean="0"/>
+              <a:t> </a:t>
+            </a:r>
+          </a:p>
+          <a:p>
+            <a:endParaRPr lang="en-US" dirty="0" smtClean="0"/>
+          </a:p>
+          <a:p>
+            <a:endParaRPr lang="en-US" dirty="0" smtClean="0"/>
+          </a:p>
+          <a:p>
+            <a:r>
+              <a:rPr lang="en-US" dirty="0" smtClean="0"/>
+              <a:t>Here, </a:t>
+            </a:r>
+            <a:r>
+              <a:rPr lang="en-US" i="1" dirty="0" smtClean="0"/>
+              <a:t>X</a:t>
+            </a:r>
+            <a:r>
+              <a:rPr lang="en-US" dirty="0" smtClean="0"/>
+              <a:t> is a matrix with each sample is a row.</a:t>
+            </a:r>
+            <a:endParaRPr lang="en-US" dirty="0"/>
+          </a:p>
+        </p:txBody>
+      </p:sp>
+      <p:graphicFrame>
+        <p:nvGraphicFramePr>
+          <p:cNvPr id="53250" name="Object 2"/>
+          <p:cNvGraphicFramePr>
+            <a:graphicFrameLocks noChangeAspect="1"/>
+          </p:cNvGraphicFramePr>
+          <p:nvPr/>
+        </p:nvGraphicFramePr>
+        <p:xfrm>
+          <a:off x="1219200" y="1524000"/>
+          <a:ext cx="2111375" cy="1244600"/>
+        </p:xfrm>
+        <a:graphic>
+          <a:graphicData uri="http://schemas.openxmlformats.org/presentationml/2006/ole">
+            <p:oleObj spid="_x0000_s53250" name="Equation" r:id="rId3" imgW="1206360" imgH="711000" progId="Equation.3">
+              <p:embed/>
+            </p:oleObj>
+          </a:graphicData>
+        </a:graphic>
+      </p:graphicFrame>
+    </p:spTree>
+  </p:cSld>
+  <p:clrMapOvr>
+    <a:masterClrMapping/>
+  </p:clrMapOvr>
+</p:sld>
+</file>
+
+<file path=ppt/slides/slide32.xml><?xml version="1.0" encoding="utf-8"?>
+<p:sld xmlns:a="http://schemas.openxmlformats.org/drawingml/2006/main" xmlns:r="http://schemas.openxmlformats.org/officeDocument/2006/relationships" xmlns:p="http://schemas.openxmlformats.org/presentationml/2006/main">
+  <p:cSld>
+    <p:spTree>
+      <p:nvGrpSpPr>
+        <p:cNvPr id="1" name=""/>
+        <p:cNvGrpSpPr/>
+        <p:nvPr/>
+      </p:nvGrpSpPr>
+      <p:grpSpPr>
+        <a:xfrm>
+          <a:off x="0" y="0"/>
+          <a:ext cx="0" cy="0"/>
+          <a:chOff x="0" y="0"/>
+          <a:chExt cx="0" cy="0"/>
+        </a:xfrm>
+      </p:grpSpPr>
+      <p:sp>
+        <p:nvSpPr>
+          <p:cNvPr id="2" name="Title 1"/>
+          <p:cNvSpPr>
+            <a:spLocks noGrp="1"/>
+          </p:cNvSpPr>
+          <p:nvPr>
+            <p:ph type="title"/>
+          </p:nvPr>
+        </p:nvSpPr>
+        <p:spPr/>
+        <p:txBody>
+          <a:bodyPr/>
+          <a:lstStyle/>
+          <a:p>
+            <a:r>
+              <a:rPr lang="en-US" dirty="0" smtClean="0"/>
+              <a:t>Reading Material</a:t>
+            </a:r>
+            <a:endParaRPr lang="en-US" dirty="0"/>
+          </a:p>
+        </p:txBody>
+      </p:sp>
+      <p:sp>
+        <p:nvSpPr>
+          <p:cNvPr id="3" name="Content Placeholder 2"/>
+          <p:cNvSpPr>
+            <a:spLocks noGrp="1"/>
+          </p:cNvSpPr>
+          <p:nvPr>
+            <p:ph sz="quarter" idx="1"/>
+          </p:nvPr>
+        </p:nvSpPr>
+        <p:spPr/>
+        <p:txBody>
+          <a:bodyPr/>
+          <a:lstStyle/>
+          <a:p>
+            <a:r>
+              <a:rPr lang="en-US" dirty="0" smtClean="0"/>
+              <a:t>http://www.cs.cornell.edu/courses/cs4780/2015fa/page4/</a:t>
+            </a:r>
+            <a:endParaRPr lang="en-US" dirty="0"/>
+          </a:p>
+        </p:txBody>
+      </p:sp>
+    </p:spTree>
+  </p:cSld>
+  <p:clrMapOvr>
+    <a:masterClrMapping/>
+  </p:clrMapOvr>
+</p:sld>
+</file>
+
 <file path=ppt/slides/slide4.xml><?xml version="1.0" encoding="utf-8"?>
 <p:sld xmlns:a="http://schemas.openxmlformats.org/drawingml/2006/main" xmlns:r="http://schemas.openxmlformats.org/officeDocument/2006/relationships" xmlns:p="http://schemas.openxmlformats.org/presentationml/2006/main">
   <p:cSld>
@@ -12389,7 +13229,7 @@
           <a:p>
             <a:r>
               <a:rPr smtClean="0"/>
-              <a:t>Non Linear SVM</a:t>
+              <a:t>Non Linear/Kernel SVM</a:t>
             </a:r>
             <a:endParaRPr lang="en-US" dirty="0"/>
           </a:p>
